--- a/Capstone/poster/slides/print_poster.pptx
+++ b/Capstone/poster/slides/print_poster.pptx
@@ -282,7 +282,7 @@
       </p15:sldGuideLst>
     </p:ext>
     <p:ext uri="GoogleSlidesCustomDataVersion2">
-      <go:slidesCustomData xmlns="" xmlns:mc="http://schemas.openxmlformats.org/markup-compatibility/2006" xmlns:mv="urn:schemas-microsoft-com:mac:vml" xmlns:c="http://schemas.openxmlformats.org/drawingml/2006/chart" xmlns:dgm="http://schemas.openxmlformats.org/drawingml/2006/diagram" xmlns:o="urn:schemas-microsoft-com:office:office" xmlns:v="urn:schemas-microsoft-com:vml" xmlns:pvml="urn:schemas-microsoft-com:office:powerpoint" xmlns:com="http://schemas.openxmlformats.org/drawingml/2006/compatibility" xmlns:p14="http://schemas.microsoft.com/office/powerpoint/2010/main" xmlns:p15="http://schemas.microsoft.com/office/powerpoint/2012/main" xmlns:ahyp="http://schemas.microsoft.com/office/drawing/2018/hyperlinkcolor" xmlns:go="http://customooxmlschemas.google.com/" r:id="rId8" roundtripDataSignature="AMtx7mh4t8ef80AKPBwkoeIFzBJSZZTu8A=="/>
+      <go:slidesCustomData xmlns:go="http://customooxmlschemas.google.com/" xmlns:ahyp="http://schemas.microsoft.com/office/drawing/2018/hyperlinkcolor" xmlns:p15="http://schemas.microsoft.com/office/powerpoint/2012/main" xmlns:p14="http://schemas.microsoft.com/office/powerpoint/2010/main" xmlns:com="http://schemas.openxmlformats.org/drawingml/2006/compatibility" xmlns:pvml="urn:schemas-microsoft-com:office:powerpoint" xmlns:v="urn:schemas-microsoft-com:vml" xmlns:o="urn:schemas-microsoft-com:office:office" xmlns:dgm="http://schemas.openxmlformats.org/drawingml/2006/diagram" xmlns:c="http://schemas.openxmlformats.org/drawingml/2006/chart" xmlns:mv="urn:schemas-microsoft-com:mac:vml" xmlns:mc="http://schemas.openxmlformats.org/markup-compatibility/2006" xmlns="" r:id="rId8" roundtripDataSignature="AMtx7mh4t8ef80AKPBwkoeIFzBJSZZTu8A=="/>
     </p:ext>
   </p:extLst>
 </p:presentation>
@@ -14543,7 +14543,7 @@
         </p:nvSpPr>
         <p:spPr>
           <a:xfrm>
-            <a:off x="32951363" y="25228531"/>
+            <a:off x="32951363" y="25301683"/>
             <a:ext cx="9985248" cy="914400"/>
           </a:xfrm>
           <a:prstGeom prst="rect">
@@ -15134,608 +15134,271 @@
           </a:p>
         </p:txBody>
       </p:sp>
-      <p:grpSp>
-        <p:nvGrpSpPr>
-          <p:cNvPr id="16" name="Group 15">
+      <p:sp>
+        <p:nvSpPr>
+          <p:cNvPr id="71" name="Google Shape;152;p2">
             <a:extLst>
               <a:ext uri="{FF2B5EF4-FFF2-40B4-BE49-F238E27FC236}">
-                <a16:creationId xmlns:a16="http://schemas.microsoft.com/office/drawing/2014/main" id="{96C448D2-4C83-3016-5644-A9CF64F5B9EF}"/>
+                <a16:creationId xmlns:a16="http://schemas.microsoft.com/office/drawing/2014/main" id="{6F0CF264-189D-3D79-695B-CA89AB2BCF41}"/>
               </a:ext>
             </a:extLst>
           </p:cNvPr>
-          <p:cNvGrpSpPr/>
+          <p:cNvSpPr/>
           <p:nvPr/>
-        </p:nvGrpSpPr>
-        <p:grpSpPr>
+        </p:nvSpPr>
+        <p:spPr>
           <a:xfrm>
-            <a:off x="32296917" y="17093644"/>
-            <a:ext cx="10655304" cy="7908262"/>
-            <a:chOff x="32296917" y="17093644"/>
-            <a:chExt cx="10655304" cy="7908262"/>
+            <a:off x="11942024" y="5825067"/>
+            <a:ext cx="19126208" cy="9954154"/>
           </a:xfrm>
-        </p:grpSpPr>
-        <p:sp>
-          <p:nvSpPr>
-            <p:cNvPr id="80" name="Google Shape;152;p2">
-              <a:extLst>
-                <a:ext uri="{FF2B5EF4-FFF2-40B4-BE49-F238E27FC236}">
-                  <a16:creationId xmlns:a16="http://schemas.microsoft.com/office/drawing/2014/main" id="{B6DC4604-8899-CCDF-17DA-FBF24E5A3C52}"/>
-                </a:ext>
-              </a:extLst>
-            </p:cNvPr>
-            <p:cNvSpPr/>
-            <p:nvPr/>
-          </p:nvSpPr>
-          <p:spPr>
-            <a:xfrm>
-              <a:off x="32296917" y="17093644"/>
-              <a:ext cx="10655304" cy="7908262"/>
-            </a:xfrm>
-            <a:prstGeom prst="rect">
-              <a:avLst/>
-            </a:prstGeom>
-            <a:blipFill dpi="0" rotWithShape="1">
-              <a:blip r:embed="rId5">
-                <a:extLst>
-                  <a:ext uri="{28A0092B-C50C-407E-A947-70E740481C1C}">
-                    <a14:useLocalDpi xmlns:a14="http://schemas.microsoft.com/office/drawing/2010/main" val="0"/>
-                  </a:ext>
-                </a:extLst>
-              </a:blip>
-              <a:srcRect/>
-              <a:stretch>
-                <a:fillRect r="-12836"/>
-              </a:stretch>
-            </a:blipFill>
-            <a:ln w="12700" cap="flat" cmpd="sng">
-              <a:noFill/>
-              <a:prstDash val="solid"/>
-              <a:miter lim="800000"/>
-              <a:headEnd type="none" w="sm" len="sm"/>
-              <a:tailEnd type="none" w="sm" len="sm"/>
-            </a:ln>
-          </p:spPr>
-          <p:txBody>
-            <a:bodyPr spcFirstLastPara="1" wrap="square" lIns="91425" tIns="45700" rIns="91425" bIns="45700" anchor="ctr" anchorCtr="0">
-              <a:noAutofit/>
-            </a:bodyPr>
-            <a:lstStyle/>
-            <a:p>
-              <a:pPr marL="0" marR="0" lvl="0" indent="0" algn="ctr" rtl="0">
-                <a:spcBef>
-                  <a:spcPts val="0"/>
-                </a:spcBef>
-                <a:spcAft>
-                  <a:spcPts val="0"/>
-                </a:spcAft>
-                <a:buNone/>
-              </a:pPr>
-              <a:endParaRPr dirty="0">
-                <a:solidFill>
-                  <a:schemeClr val="tx1"/>
-                </a:solidFill>
-                <a:latin typeface="Garamond" panose="02020404030301010803" pitchFamily="18" charset="0"/>
-              </a:endParaRPr>
-            </a:p>
-          </p:txBody>
-        </p:sp>
-        <p:sp>
-          <p:nvSpPr>
-            <p:cNvPr id="15" name="Google Shape;152;p2">
-              <a:extLst>
-                <a:ext uri="{FF2B5EF4-FFF2-40B4-BE49-F238E27FC236}">
-                  <a16:creationId xmlns:a16="http://schemas.microsoft.com/office/drawing/2014/main" id="{E610E6AA-84D1-1886-C0DE-9CC7BC95BDA6}"/>
-                </a:ext>
-              </a:extLst>
-            </p:cNvPr>
-            <p:cNvSpPr/>
-            <p:nvPr/>
-          </p:nvSpPr>
-          <p:spPr>
-            <a:xfrm>
-              <a:off x="33239869" y="17587222"/>
-              <a:ext cx="2220285" cy="2054863"/>
-            </a:xfrm>
-            <a:prstGeom prst="rect">
-              <a:avLst/>
-            </a:prstGeom>
-            <a:blipFill dpi="0" rotWithShape="1">
-              <a:blip r:embed="rId5">
-                <a:extLst>
-                  <a:ext uri="{28A0092B-C50C-407E-A947-70E740481C1C}">
-                    <a14:useLocalDpi xmlns:a14="http://schemas.microsoft.com/office/drawing/2010/main" val="0"/>
-                  </a:ext>
-                </a:extLst>
-              </a:blip>
-              <a:srcRect/>
-              <a:stretch>
-                <a:fillRect l="-703666" t="-188917" b="-212598"/>
-              </a:stretch>
-            </a:blipFill>
-            <a:ln w="12700" cap="flat" cmpd="sng">
-              <a:noFill/>
-              <a:prstDash val="solid"/>
-              <a:miter lim="800000"/>
-              <a:headEnd type="none" w="sm" len="sm"/>
-              <a:tailEnd type="none" w="sm" len="sm"/>
-            </a:ln>
-          </p:spPr>
-          <p:txBody>
-            <a:bodyPr spcFirstLastPara="1" wrap="square" lIns="91425" tIns="45700" rIns="91425" bIns="45700" anchor="ctr" anchorCtr="0">
-              <a:noAutofit/>
-            </a:bodyPr>
-            <a:lstStyle/>
-            <a:p>
-              <a:pPr marL="0" marR="0" lvl="0" indent="0" algn="ctr" rtl="0">
-                <a:spcBef>
-                  <a:spcPts val="0"/>
-                </a:spcBef>
-                <a:spcAft>
-                  <a:spcPts val="0"/>
-                </a:spcAft>
-                <a:buNone/>
-              </a:pPr>
-              <a:endParaRPr dirty="0">
-                <a:solidFill>
-                  <a:schemeClr val="tx1"/>
-                </a:solidFill>
-                <a:latin typeface="Garamond" panose="02020404030301010803" pitchFamily="18" charset="0"/>
-              </a:endParaRPr>
-            </a:p>
-          </p:txBody>
-        </p:sp>
-      </p:grpSp>
-      <p:grpSp>
-        <p:nvGrpSpPr>
-          <p:cNvPr id="50" name="Group 49">
+          <a:prstGeom prst="rect">
+            <a:avLst/>
+          </a:prstGeom>
+          <a:blipFill>
+            <a:blip r:embed="rId5"/>
+            <a:stretch>
+              <a:fillRect l="1" r="-14742"/>
+            </a:stretch>
+          </a:blipFill>
+          <a:ln w="12700" cap="flat" cmpd="sng">
+            <a:noFill/>
+            <a:prstDash val="solid"/>
+            <a:miter lim="800000"/>
+            <a:headEnd type="none" w="sm" len="sm"/>
+            <a:tailEnd type="none" w="sm" len="sm"/>
+          </a:ln>
+        </p:spPr>
+        <p:txBody>
+          <a:bodyPr spcFirstLastPara="1" wrap="square" lIns="91425" tIns="45700" rIns="91425" bIns="45700" anchor="ctr" anchorCtr="0">
+            <a:noAutofit/>
+          </a:bodyPr>
+          <a:lstStyle/>
+          <a:p>
+            <a:pPr marL="0" marR="0" lvl="0" indent="0" algn="ctr" rtl="0">
+              <a:spcBef>
+                <a:spcPts val="0"/>
+              </a:spcBef>
+              <a:spcAft>
+                <a:spcPts val="0"/>
+              </a:spcAft>
+              <a:buNone/>
+            </a:pPr>
+            <a:endParaRPr dirty="0">
+              <a:solidFill>
+                <a:schemeClr val="tx1"/>
+              </a:solidFill>
+              <a:latin typeface="Garamond" panose="02020404030301010803" pitchFamily="18" charset="0"/>
+            </a:endParaRPr>
+          </a:p>
+        </p:txBody>
+      </p:sp>
+      <p:sp>
+        <p:nvSpPr>
+          <p:cNvPr id="76" name="Google Shape;152;p2">
             <a:extLst>
               <a:ext uri="{FF2B5EF4-FFF2-40B4-BE49-F238E27FC236}">
-                <a16:creationId xmlns:a16="http://schemas.microsoft.com/office/drawing/2014/main" id="{44233052-99A2-AC20-F6AA-E8928FAC9D38}"/>
+                <a16:creationId xmlns:a16="http://schemas.microsoft.com/office/drawing/2014/main" id="{28C80C0B-CC67-CE98-046A-20B2801B91A3}"/>
               </a:ext>
             </a:extLst>
           </p:cNvPr>
-          <p:cNvGrpSpPr/>
+          <p:cNvSpPr/>
           <p:nvPr/>
-        </p:nvGrpSpPr>
-        <p:grpSpPr>
+        </p:nvSpPr>
+        <p:spPr>
           <a:xfrm>
-            <a:off x="11324162" y="5719238"/>
-            <a:ext cx="20088049" cy="26890846"/>
-            <a:chOff x="11324162" y="5719238"/>
-            <a:chExt cx="20088049" cy="26890846"/>
+            <a:off x="19446389" y="14411465"/>
+            <a:ext cx="11264050" cy="8309500"/>
           </a:xfrm>
-        </p:grpSpPr>
-        <p:sp>
-          <p:nvSpPr>
-            <p:cNvPr id="71" name="Google Shape;152;p2">
+          <a:prstGeom prst="rect">
+            <a:avLst/>
+          </a:prstGeom>
+          <a:blipFill dpi="0" rotWithShape="1">
+            <a:blip r:embed="rId6">
               <a:extLst>
-                <a:ext uri="{FF2B5EF4-FFF2-40B4-BE49-F238E27FC236}">
-                  <a16:creationId xmlns:a16="http://schemas.microsoft.com/office/drawing/2014/main" id="{6F0CF264-189D-3D79-695B-CA89AB2BCF41}"/>
+                <a:ext uri="{28A0092B-C50C-407E-A947-70E740481C1C}">
+                  <a14:useLocalDpi xmlns:a14="http://schemas.microsoft.com/office/drawing/2010/main" val="0"/>
                 </a:ext>
               </a:extLst>
-            </p:cNvPr>
-            <p:cNvSpPr/>
-            <p:nvPr/>
-          </p:nvSpPr>
-          <p:spPr>
-            <a:xfrm>
-              <a:off x="12027938" y="5719238"/>
-              <a:ext cx="19384273" cy="9580095"/>
-            </a:xfrm>
-            <a:prstGeom prst="rect">
-              <a:avLst/>
-            </a:prstGeom>
-            <a:blipFill dpi="0" rotWithShape="1">
-              <a:blip r:embed="rId6">
-                <a:extLst>
-                  <a:ext uri="{28A0092B-C50C-407E-A947-70E740481C1C}">
-                    <a14:useLocalDpi xmlns:a14="http://schemas.microsoft.com/office/drawing/2010/main" val="0"/>
-                  </a:ext>
-                </a:extLst>
-              </a:blip>
-              <a:srcRect/>
-              <a:stretch>
-                <a:fillRect t="-4776" r="-14772"/>
-              </a:stretch>
-            </a:blipFill>
-            <a:ln w="12700" cap="flat" cmpd="sng">
-              <a:noFill/>
-              <a:prstDash val="solid"/>
-              <a:miter lim="800000"/>
-              <a:headEnd type="none" w="sm" len="sm"/>
-              <a:tailEnd type="none" w="sm" len="sm"/>
-            </a:ln>
-          </p:spPr>
-          <p:txBody>
-            <a:bodyPr spcFirstLastPara="1" wrap="square" lIns="91425" tIns="45700" rIns="91425" bIns="45700" anchor="ctr" anchorCtr="0">
-              <a:noAutofit/>
-            </a:bodyPr>
-            <a:lstStyle/>
-            <a:p>
-              <a:pPr marL="0" marR="0" lvl="0" indent="0" algn="ctr" rtl="0">
-                <a:spcBef>
-                  <a:spcPts val="0"/>
-                </a:spcBef>
-                <a:spcAft>
-                  <a:spcPts val="0"/>
-                </a:spcAft>
-                <a:buNone/>
-              </a:pPr>
-              <a:endParaRPr dirty="0">
-                <a:solidFill>
-                  <a:schemeClr val="tx1"/>
-                </a:solidFill>
-                <a:latin typeface="Garamond" panose="02020404030301010803" pitchFamily="18" charset="0"/>
-              </a:endParaRPr>
-            </a:p>
-          </p:txBody>
-        </p:sp>
-        <p:sp>
-          <p:nvSpPr>
-            <p:cNvPr id="76" name="Google Shape;152;p2">
-              <a:extLst>
-                <a:ext uri="{FF2B5EF4-FFF2-40B4-BE49-F238E27FC236}">
-                  <a16:creationId xmlns:a16="http://schemas.microsoft.com/office/drawing/2014/main" id="{28C80C0B-CC67-CE98-046A-20B2801B91A3}"/>
-                </a:ext>
-              </a:extLst>
-            </p:cNvPr>
-            <p:cNvSpPr/>
-            <p:nvPr/>
-          </p:nvSpPr>
-          <p:spPr>
-            <a:xfrm>
-              <a:off x="18992399" y="14095635"/>
-              <a:ext cx="11264050" cy="8309500"/>
-            </a:xfrm>
-            <a:prstGeom prst="rect">
-              <a:avLst/>
-            </a:prstGeom>
-            <a:blipFill dpi="0" rotWithShape="1">
-              <a:blip r:embed="rId7">
-                <a:extLst>
-                  <a:ext uri="{28A0092B-C50C-407E-A947-70E740481C1C}">
-                    <a14:useLocalDpi xmlns:a14="http://schemas.microsoft.com/office/drawing/2010/main" val="0"/>
-                  </a:ext>
-                </a:extLst>
-              </a:blip>
-              <a:srcRect/>
-              <a:stretch>
-                <a:fillRect/>
-              </a:stretch>
-            </a:blipFill>
-            <a:ln w="12700" cap="flat" cmpd="sng">
-              <a:noFill/>
-              <a:prstDash val="solid"/>
-              <a:miter lim="800000"/>
-              <a:headEnd type="none" w="sm" len="sm"/>
-              <a:tailEnd type="none" w="sm" len="sm"/>
-            </a:ln>
-          </p:spPr>
-          <p:txBody>
-            <a:bodyPr spcFirstLastPara="1" wrap="square" lIns="91425" tIns="45700" rIns="91425" bIns="45700" anchor="ctr" anchorCtr="0">
-              <a:noAutofit/>
-            </a:bodyPr>
-            <a:lstStyle/>
-            <a:p>
-              <a:pPr marL="0" marR="0" lvl="0" indent="0" algn="ctr" rtl="0">
-                <a:spcBef>
-                  <a:spcPts val="0"/>
-                </a:spcBef>
-                <a:spcAft>
-                  <a:spcPts val="0"/>
-                </a:spcAft>
-                <a:buNone/>
-              </a:pPr>
-              <a:endParaRPr dirty="0">
-                <a:solidFill>
-                  <a:schemeClr val="tx1"/>
-                </a:solidFill>
-                <a:latin typeface="Garamond" panose="02020404030301010803" pitchFamily="18" charset="0"/>
-              </a:endParaRPr>
-            </a:p>
-          </p:txBody>
-        </p:sp>
-        <p:sp>
-          <p:nvSpPr>
-            <p:cNvPr id="2" name="TextBox 1">
-              <a:extLst>
-                <a:ext uri="{FF2B5EF4-FFF2-40B4-BE49-F238E27FC236}">
-                  <a16:creationId xmlns:a16="http://schemas.microsoft.com/office/drawing/2014/main" id="{CFAE8B9B-8FE1-5F79-11CE-82EA3F3D891C}"/>
-                </a:ext>
-              </a:extLst>
-            </p:cNvPr>
-            <p:cNvSpPr txBox="1"/>
-            <p:nvPr/>
-          </p:nvSpPr>
-          <p:spPr>
-            <a:xfrm>
-              <a:off x="13331297" y="15579010"/>
-              <a:ext cx="5253146" cy="1077218"/>
-            </a:xfrm>
-            <a:prstGeom prst="rect">
-              <a:avLst/>
-            </a:prstGeom>
-            <a:noFill/>
-            <a:ln>
-              <a:solidFill>
-                <a:schemeClr val="accent4">
-                  <a:lumMod val="75000"/>
-                </a:schemeClr>
-              </a:solidFill>
-            </a:ln>
-          </p:spPr>
-          <p:txBody>
-            <a:bodyPr wrap="square" rtlCol="0">
-              <a:spAutoFit/>
-            </a:bodyPr>
-            <a:lstStyle/>
-            <a:p>
-              <a:pPr algn="ctr"/>
-              <a:r>
-                <a:rPr lang="en-US" sz="3200" b="1" dirty="0">
-                  <a:latin typeface="Garamond" panose="02020404030301010803" pitchFamily="18" charset="0"/>
-                </a:rPr>
-                <a:t>Empowerment</a:t>
-              </a:r>
-            </a:p>
-            <a:p>
-              <a:pPr algn="ctr"/>
-              <a:r>
-                <a:rPr lang="en-US" sz="3200" b="1" dirty="0">
-                  <a:latin typeface="Garamond" panose="02020404030301010803" pitchFamily="18" charset="0"/>
-                </a:rPr>
-                <a:t> through the Decades</a:t>
-              </a:r>
-            </a:p>
-          </p:txBody>
-        </p:sp>
-        <p:pic>
-          <p:nvPicPr>
-            <p:cNvPr id="3" name="Picture 2" descr="A qr code on a white background&#10;&#10;Description automatically generated">
-              <a:extLst>
-                <a:ext uri="{FF2B5EF4-FFF2-40B4-BE49-F238E27FC236}">
-                  <a16:creationId xmlns:a16="http://schemas.microsoft.com/office/drawing/2014/main" id="{32B82FE7-A262-9A50-8077-D4E76845889E}"/>
-                </a:ext>
-              </a:extLst>
-            </p:cNvPr>
-            <p:cNvPicPr>
-              <a:picLocks noChangeAspect="1"/>
-            </p:cNvPicPr>
-            <p:nvPr/>
-          </p:nvPicPr>
-          <p:blipFill>
-            <a:blip r:embed="rId8"/>
+            </a:blip>
+            <a:srcRect/>
             <a:stretch>
               <a:fillRect/>
             </a:stretch>
-          </p:blipFill>
-          <p:spPr>
-            <a:xfrm>
-              <a:off x="13208205" y="16846087"/>
-              <a:ext cx="5295232" cy="5295232"/>
-            </a:xfrm>
-            <a:prstGeom prst="rect">
-              <a:avLst/>
-            </a:prstGeom>
-          </p:spPr>
-        </p:pic>
-        <p:sp>
-          <p:nvSpPr>
-            <p:cNvPr id="38" name="Google Shape;152;p2">
-              <a:extLst>
-                <a:ext uri="{FF2B5EF4-FFF2-40B4-BE49-F238E27FC236}">
-                  <a16:creationId xmlns:a16="http://schemas.microsoft.com/office/drawing/2014/main" id="{135EDCB4-7E98-38FB-8E90-05D3E3919F90}"/>
-                </a:ext>
-              </a:extLst>
-            </p:cNvPr>
-            <p:cNvSpPr/>
-            <p:nvPr/>
-          </p:nvSpPr>
-          <p:spPr>
-            <a:xfrm>
-              <a:off x="14003276" y="9931660"/>
-              <a:ext cx="2250557" cy="4708062"/>
-            </a:xfrm>
-            <a:prstGeom prst="rect">
-              <a:avLst/>
-            </a:prstGeom>
-            <a:blipFill dpi="0" rotWithShape="1">
-              <a:blip r:embed="rId6">
-                <a:extLst>
-                  <a:ext uri="{28A0092B-C50C-407E-A947-70E740481C1C}">
-                    <a14:useLocalDpi xmlns:a14="http://schemas.microsoft.com/office/drawing/2010/main" val="0"/>
-                  </a:ext>
-                </a:extLst>
-              </a:blip>
-              <a:srcRect/>
-              <a:stretch>
-                <a:fillRect l="-600497" t="-98634" r="9174" b="-84980"/>
-              </a:stretch>
-            </a:blipFill>
-            <a:ln w="12700" cap="flat" cmpd="sng">
-              <a:noFill/>
-              <a:prstDash val="solid"/>
-              <a:miter lim="800000"/>
-              <a:headEnd type="none" w="sm" len="sm"/>
-              <a:tailEnd type="none" w="sm" len="sm"/>
-            </a:ln>
-          </p:spPr>
-          <p:txBody>
-            <a:bodyPr spcFirstLastPara="1" wrap="square" lIns="91425" tIns="45700" rIns="91425" bIns="45700" anchor="ctr" anchorCtr="0">
-              <a:noAutofit/>
-            </a:bodyPr>
-            <a:lstStyle/>
-            <a:p>
-              <a:pPr marL="0" marR="0" lvl="0" indent="0" algn="ctr" rtl="0">
-                <a:spcBef>
-                  <a:spcPts val="0"/>
-                </a:spcBef>
-                <a:spcAft>
-                  <a:spcPts val="0"/>
-                </a:spcAft>
-                <a:buNone/>
-              </a:pPr>
-              <a:endParaRPr dirty="0">
-                <a:solidFill>
-                  <a:schemeClr val="tx1"/>
-                </a:solidFill>
+          </a:blipFill>
+          <a:ln w="12700" cap="flat" cmpd="sng">
+            <a:noFill/>
+            <a:prstDash val="solid"/>
+            <a:miter lim="800000"/>
+            <a:headEnd type="none" w="sm" len="sm"/>
+            <a:tailEnd type="none" w="sm" len="sm"/>
+          </a:ln>
+        </p:spPr>
+        <p:txBody>
+          <a:bodyPr spcFirstLastPara="1" wrap="square" lIns="91425" tIns="45700" rIns="91425" bIns="45700" anchor="ctr" anchorCtr="0">
+            <a:noAutofit/>
+          </a:bodyPr>
+          <a:lstStyle/>
+          <a:p>
+            <a:pPr marL="0" marR="0" lvl="0" indent="0" algn="ctr" rtl="0">
+              <a:spcBef>
+                <a:spcPts val="0"/>
+              </a:spcBef>
+              <a:spcAft>
+                <a:spcPts val="0"/>
+              </a:spcAft>
+              <a:buNone/>
+            </a:pPr>
+            <a:endParaRPr dirty="0">
+              <a:solidFill>
+                <a:schemeClr val="tx1"/>
+              </a:solidFill>
+              <a:latin typeface="Garamond" panose="02020404030301010803" pitchFamily="18" charset="0"/>
+            </a:endParaRPr>
+          </a:p>
+        </p:txBody>
+      </p:sp>
+      <p:sp>
+        <p:nvSpPr>
+          <p:cNvPr id="2" name="TextBox 1">
+            <a:extLst>
+              <a:ext uri="{FF2B5EF4-FFF2-40B4-BE49-F238E27FC236}">
+                <a16:creationId xmlns:a16="http://schemas.microsoft.com/office/drawing/2014/main" id="{CFAE8B9B-8FE1-5F79-11CE-82EA3F3D891C}"/>
+              </a:ext>
+            </a:extLst>
+          </p:cNvPr>
+          <p:cNvSpPr txBox="1"/>
+          <p:nvPr/>
+        </p:nvSpPr>
+        <p:spPr>
+          <a:xfrm>
+            <a:off x="13331297" y="15579010"/>
+            <a:ext cx="5253146" cy="1077218"/>
+          </a:xfrm>
+          <a:prstGeom prst="rect">
+            <a:avLst/>
+          </a:prstGeom>
+          <a:noFill/>
+          <a:ln>
+            <a:solidFill>
+              <a:schemeClr val="accent4">
+                <a:lumMod val="75000"/>
+              </a:schemeClr>
+            </a:solidFill>
+          </a:ln>
+        </p:spPr>
+        <p:txBody>
+          <a:bodyPr wrap="square" rtlCol="0">
+            <a:spAutoFit/>
+          </a:bodyPr>
+          <a:lstStyle/>
+          <a:p>
+            <a:pPr algn="ctr"/>
+            <a:r>
+              <a:rPr lang="en-US" sz="3200" b="1" dirty="0">
                 <a:latin typeface="Garamond" panose="02020404030301010803" pitchFamily="18" charset="0"/>
-              </a:endParaRPr>
-            </a:p>
-          </p:txBody>
-        </p:sp>
-        <p:grpSp>
-          <p:nvGrpSpPr>
-            <p:cNvPr id="41" name="Group 40">
-              <a:extLst>
-                <a:ext uri="{FF2B5EF4-FFF2-40B4-BE49-F238E27FC236}">
-                  <a16:creationId xmlns:a16="http://schemas.microsoft.com/office/drawing/2014/main" id="{BCE8176A-103B-1714-75C0-9E84683447BC}"/>
-                </a:ext>
-              </a:extLst>
-            </p:cNvPr>
-            <p:cNvGrpSpPr/>
-            <p:nvPr/>
-          </p:nvGrpSpPr>
-          <p:grpSpPr>
-            <a:xfrm>
-              <a:off x="11324162" y="22085364"/>
-              <a:ext cx="19384273" cy="10524720"/>
-              <a:chOff x="11663427" y="22085364"/>
-              <a:chExt cx="19384273" cy="10524720"/>
-            </a:xfrm>
-          </p:grpSpPr>
-          <p:sp>
-            <p:nvSpPr>
-              <p:cNvPr id="104" name="Google Shape;152;p2">
-                <a:extLst>
-                  <a:ext uri="{FF2B5EF4-FFF2-40B4-BE49-F238E27FC236}">
-                    <a16:creationId xmlns:a16="http://schemas.microsoft.com/office/drawing/2014/main" id="{B0D26C30-FD19-3747-C58C-19BBF01AF4E6}"/>
-                  </a:ext>
-                </a:extLst>
-              </p:cNvPr>
-              <p:cNvSpPr/>
-              <p:nvPr/>
-            </p:nvSpPr>
-            <p:spPr>
-              <a:xfrm>
-                <a:off x="11663427" y="22085364"/>
-                <a:ext cx="19384273" cy="10524720"/>
-              </a:xfrm>
-              <a:prstGeom prst="rect">
-                <a:avLst/>
-              </a:prstGeom>
-              <a:blipFill dpi="0" rotWithShape="1">
-                <a:blip r:embed="rId9">
-                  <a:extLst>
-                    <a:ext uri="{28A0092B-C50C-407E-A947-70E740481C1C}">
-                      <a14:useLocalDpi xmlns:a14="http://schemas.microsoft.com/office/drawing/2010/main" val="0"/>
-                    </a:ext>
-                  </a:extLst>
-                </a:blip>
-                <a:srcRect/>
-                <a:stretch>
-                  <a:fillRect l="-3" t="-5035" r="-16726" b="-1"/>
-                </a:stretch>
-              </a:blipFill>
-              <a:ln w="12700" cap="flat" cmpd="sng">
-                <a:noFill/>
-                <a:prstDash val="solid"/>
-                <a:miter lim="800000"/>
-                <a:headEnd type="none" w="sm" len="sm"/>
-                <a:tailEnd type="none" w="sm" len="sm"/>
-              </a:ln>
-            </p:spPr>
-            <p:txBody>
-              <a:bodyPr spcFirstLastPara="1" wrap="square" lIns="91425" tIns="45700" rIns="91425" bIns="45700" anchor="ctr" anchorCtr="0">
-                <a:noAutofit/>
-              </a:bodyPr>
-              <a:lstStyle/>
-              <a:p>
-                <a:pPr marL="0" marR="0" lvl="0" indent="0" algn="ctr" rtl="0">
-                  <a:spcBef>
-                    <a:spcPts val="0"/>
-                  </a:spcBef>
-                  <a:spcAft>
-                    <a:spcPts val="0"/>
-                  </a:spcAft>
-                  <a:buNone/>
-                </a:pPr>
-                <a:endParaRPr dirty="0">
-                  <a:solidFill>
-                    <a:schemeClr val="tx1"/>
-                  </a:solidFill>
-                  <a:latin typeface="Garamond" panose="02020404030301010803" pitchFamily="18" charset="0"/>
-                </a:endParaRPr>
-              </a:p>
-            </p:txBody>
-          </p:sp>
-          <p:sp>
-            <p:nvSpPr>
-              <p:cNvPr id="40" name="Google Shape;152;p2">
-                <a:extLst>
-                  <a:ext uri="{FF2B5EF4-FFF2-40B4-BE49-F238E27FC236}">
-                    <a16:creationId xmlns:a16="http://schemas.microsoft.com/office/drawing/2014/main" id="{48CB5762-F0B8-E7E7-951B-708FE900F0B1}"/>
-                  </a:ext>
-                </a:extLst>
-              </p:cNvPr>
-              <p:cNvSpPr/>
-              <p:nvPr/>
-            </p:nvSpPr>
-            <p:spPr>
-              <a:xfrm>
-                <a:off x="14003276" y="27074725"/>
-                <a:ext cx="2250557" cy="4708062"/>
-              </a:xfrm>
-              <a:prstGeom prst="rect">
-                <a:avLst/>
-              </a:prstGeom>
-              <a:blipFill dpi="0" rotWithShape="1">
-                <a:blip r:embed="rId6">
-                  <a:extLst>
-                    <a:ext uri="{28A0092B-C50C-407E-A947-70E740481C1C}">
-                      <a14:useLocalDpi xmlns:a14="http://schemas.microsoft.com/office/drawing/2010/main" val="0"/>
-                    </a:ext>
-                  </a:extLst>
-                </a:blip>
-                <a:srcRect/>
-                <a:stretch>
-                  <a:fillRect l="-600497" t="-98634" r="9174" b="-84980"/>
-                </a:stretch>
-              </a:blipFill>
-              <a:ln w="12700" cap="flat" cmpd="sng">
-                <a:noFill/>
-                <a:prstDash val="solid"/>
-                <a:miter lim="800000"/>
-                <a:headEnd type="none" w="sm" len="sm"/>
-                <a:tailEnd type="none" w="sm" len="sm"/>
-              </a:ln>
-            </p:spPr>
-            <p:txBody>
-              <a:bodyPr spcFirstLastPara="1" wrap="square" lIns="91425" tIns="45700" rIns="91425" bIns="45700" anchor="ctr" anchorCtr="0">
-                <a:noAutofit/>
-              </a:bodyPr>
-              <a:lstStyle/>
-              <a:p>
-                <a:pPr marL="0" marR="0" lvl="0" indent="0" algn="ctr" rtl="0">
-                  <a:spcBef>
-                    <a:spcPts val="0"/>
-                  </a:spcBef>
-                  <a:spcAft>
-                    <a:spcPts val="0"/>
-                  </a:spcAft>
-                  <a:buNone/>
-                </a:pPr>
-                <a:endParaRPr dirty="0">
-                  <a:solidFill>
-                    <a:schemeClr val="tx1"/>
-                  </a:solidFill>
-                  <a:latin typeface="Garamond" panose="02020404030301010803" pitchFamily="18" charset="0"/>
-                </a:endParaRPr>
-              </a:p>
-            </p:txBody>
-          </p:sp>
-        </p:grpSp>
-      </p:grpSp>
+              </a:rPr>
+              <a:t>Empowerment</a:t>
+            </a:r>
+          </a:p>
+          <a:p>
+            <a:pPr algn="ctr"/>
+            <a:r>
+              <a:rPr lang="en-US" sz="3200" b="1" dirty="0">
+                <a:latin typeface="Garamond" panose="02020404030301010803" pitchFamily="18" charset="0"/>
+              </a:rPr>
+              <a:t> through the Decades</a:t>
+            </a:r>
+          </a:p>
+        </p:txBody>
+      </p:sp>
+      <p:pic>
+        <p:nvPicPr>
+          <p:cNvPr id="3" name="Picture 2" descr="A qr code on a white background&#10;&#10;Description automatically generated">
+            <a:extLst>
+              <a:ext uri="{FF2B5EF4-FFF2-40B4-BE49-F238E27FC236}">
+                <a16:creationId xmlns:a16="http://schemas.microsoft.com/office/drawing/2014/main" id="{32B82FE7-A262-9A50-8077-D4E76845889E}"/>
+              </a:ext>
+            </a:extLst>
+          </p:cNvPr>
+          <p:cNvPicPr>
+            <a:picLocks noChangeAspect="1"/>
+          </p:cNvPicPr>
+          <p:nvPr/>
+        </p:nvPicPr>
+        <p:blipFill>
+          <a:blip r:embed="rId7"/>
+          <a:stretch>
+            <a:fillRect/>
+          </a:stretch>
+        </p:blipFill>
+        <p:spPr>
+          <a:xfrm>
+            <a:off x="13208205" y="16846087"/>
+            <a:ext cx="5295232" cy="5295232"/>
+          </a:xfrm>
+          <a:prstGeom prst="rect">
+            <a:avLst/>
+          </a:prstGeom>
+        </p:spPr>
+      </p:pic>
+      <p:sp>
+        <p:nvSpPr>
+          <p:cNvPr id="104" name="Google Shape;152;p2">
+            <a:extLst>
+              <a:ext uri="{FF2B5EF4-FFF2-40B4-BE49-F238E27FC236}">
+                <a16:creationId xmlns:a16="http://schemas.microsoft.com/office/drawing/2014/main" id="{B0D26C30-FD19-3747-C58C-19BBF01AF4E6}"/>
+              </a:ext>
+            </a:extLst>
+          </p:cNvPr>
+          <p:cNvSpPr/>
+          <p:nvPr/>
+        </p:nvSpPr>
+        <p:spPr>
+          <a:xfrm>
+            <a:off x="11857667" y="22116256"/>
+            <a:ext cx="19294922" cy="10442815"/>
+          </a:xfrm>
+          <a:prstGeom prst="rect">
+            <a:avLst/>
+          </a:prstGeom>
+          <a:blipFill>
+            <a:blip r:embed="rId8"/>
+            <a:stretch>
+              <a:fillRect r="-15032"/>
+            </a:stretch>
+          </a:blipFill>
+          <a:ln w="12700" cap="flat" cmpd="sng">
+            <a:noFill/>
+            <a:prstDash val="solid"/>
+            <a:miter lim="800000"/>
+            <a:headEnd type="none" w="sm" len="sm"/>
+            <a:tailEnd type="none" w="sm" len="sm"/>
+          </a:ln>
+        </p:spPr>
+        <p:txBody>
+          <a:bodyPr spcFirstLastPara="1" wrap="square" lIns="91425" tIns="45700" rIns="91425" bIns="45700" anchor="ctr" anchorCtr="0">
+            <a:noAutofit/>
+          </a:bodyPr>
+          <a:lstStyle/>
+          <a:p>
+            <a:pPr marL="0" marR="0" lvl="0" indent="0" algn="ctr" rtl="0">
+              <a:spcBef>
+                <a:spcPts val="0"/>
+              </a:spcBef>
+              <a:spcAft>
+                <a:spcPts val="0"/>
+              </a:spcAft>
+              <a:buNone/>
+            </a:pPr>
+            <a:endParaRPr dirty="0">
+              <a:solidFill>
+                <a:schemeClr val="tx1"/>
+              </a:solidFill>
+              <a:latin typeface="Garamond" panose="02020404030301010803" pitchFamily="18" charset="0"/>
+            </a:endParaRPr>
+          </a:p>
+        </p:txBody>
+      </p:sp>
       <p:sp>
         <p:nvSpPr>
           <p:cNvPr id="8" name="Google Shape;142;p2">
@@ -15874,6 +15537,122 @@
           </a:p>
         </p:txBody>
       </p:sp>
+      <p:pic>
+        <p:nvPicPr>
+          <p:cNvPr id="44" name="Picture 43" descr="A map of the world&#10;&#10;Description automatically generated">
+            <a:extLst>
+              <a:ext uri="{FF2B5EF4-FFF2-40B4-BE49-F238E27FC236}">
+                <a16:creationId xmlns:a16="http://schemas.microsoft.com/office/drawing/2014/main" id="{74772C4A-4044-ED27-80E3-97DC465055D9}"/>
+              </a:ext>
+            </a:extLst>
+          </p:cNvPr>
+          <p:cNvPicPr>
+            <a:picLocks noChangeAspect="1"/>
+          </p:cNvPicPr>
+          <p:nvPr/>
+        </p:nvPicPr>
+        <p:blipFill rotWithShape="1">
+          <a:blip r:embed="rId8"/>
+          <a:srcRect l="83994" t="34846" r="-3013" b="32204"/>
+          <a:stretch/>
+        </p:blipFill>
+        <p:spPr>
+          <a:xfrm>
+            <a:off x="13541556" y="10851478"/>
+            <a:ext cx="2760306" cy="3825763"/>
+          </a:xfrm>
+          <a:prstGeom prst="rect">
+            <a:avLst/>
+          </a:prstGeom>
+        </p:spPr>
+      </p:pic>
+      <p:pic>
+        <p:nvPicPr>
+          <p:cNvPr id="51" name="Picture 50" descr="A map of the world&#10;&#10;Description automatically generated">
+            <a:extLst>
+              <a:ext uri="{FF2B5EF4-FFF2-40B4-BE49-F238E27FC236}">
+                <a16:creationId xmlns:a16="http://schemas.microsoft.com/office/drawing/2014/main" id="{EB9215C8-7039-9B01-6DEF-978969816ABA}"/>
+              </a:ext>
+            </a:extLst>
+          </p:cNvPr>
+          <p:cNvPicPr>
+            <a:picLocks noChangeAspect="1"/>
+          </p:cNvPicPr>
+          <p:nvPr/>
+        </p:nvPicPr>
+        <p:blipFill rotWithShape="1">
+          <a:blip r:embed="rId8"/>
+          <a:srcRect l="83994" t="34846" r="-3013" b="32204"/>
+          <a:stretch/>
+        </p:blipFill>
+        <p:spPr>
+          <a:xfrm>
+            <a:off x="13700652" y="28181611"/>
+            <a:ext cx="2760306" cy="3825763"/>
+          </a:xfrm>
+          <a:prstGeom prst="rect">
+            <a:avLst/>
+          </a:prstGeom>
+        </p:spPr>
+      </p:pic>
+      <p:pic>
+        <p:nvPicPr>
+          <p:cNvPr id="53" name="Picture 52" descr="A graph with different colored lines&#10;&#10;Description automatically generated">
+            <a:extLst>
+              <a:ext uri="{FF2B5EF4-FFF2-40B4-BE49-F238E27FC236}">
+                <a16:creationId xmlns:a16="http://schemas.microsoft.com/office/drawing/2014/main" id="{1F66BCE4-AEE6-A5B1-6EC3-3C104FA27F4F}"/>
+              </a:ext>
+            </a:extLst>
+          </p:cNvPr>
+          <p:cNvPicPr>
+            <a:picLocks noChangeAspect="1"/>
+          </p:cNvPicPr>
+          <p:nvPr/>
+        </p:nvPicPr>
+        <p:blipFill rotWithShape="1">
+          <a:blip r:embed="rId9"/>
+          <a:srcRect r="10914"/>
+          <a:stretch/>
+        </p:blipFill>
+        <p:spPr>
+          <a:xfrm>
+            <a:off x="32641804" y="16637940"/>
+            <a:ext cx="10266338" cy="8644367"/>
+          </a:xfrm>
+          <a:prstGeom prst="rect">
+            <a:avLst/>
+          </a:prstGeom>
+        </p:spPr>
+      </p:pic>
+      <p:pic>
+        <p:nvPicPr>
+          <p:cNvPr id="54" name="Picture 53" descr="A graph with different colored lines&#10;&#10;Description automatically generated">
+            <a:extLst>
+              <a:ext uri="{FF2B5EF4-FFF2-40B4-BE49-F238E27FC236}">
+                <a16:creationId xmlns:a16="http://schemas.microsoft.com/office/drawing/2014/main" id="{057C74DF-6E53-BF1B-72C8-D37762F443F7}"/>
+              </a:ext>
+            </a:extLst>
+          </p:cNvPr>
+          <p:cNvPicPr>
+            <a:picLocks noChangeAspect="1"/>
+          </p:cNvPicPr>
+          <p:nvPr/>
+        </p:nvPicPr>
+        <p:blipFill rotWithShape="1">
+          <a:blip r:embed="rId9"/>
+          <a:srcRect l="85613" t="36683" r="-186" b="43111"/>
+          <a:stretch/>
+        </p:blipFill>
+        <p:spPr>
+          <a:xfrm>
+            <a:off x="33288373" y="17101868"/>
+            <a:ext cx="1593172" cy="1767384"/>
+          </a:xfrm>
+          <a:prstGeom prst="rect">
+            <a:avLst/>
+          </a:prstGeom>
+        </p:spPr>
+      </p:pic>
     </p:spTree>
   </p:cSld>
   <p:clrMapOvr>

--- a/Capstone/poster/slides/print_poster.pptx
+++ b/Capstone/poster/slides/print_poster.pptx
@@ -10361,7 +10361,7 @@
           <p:nvPr>
             <p:extLst>
               <p:ext uri="{D42A27DB-BD31-4B8C-83A1-F6EECF244321}">
-                <p14:modId xmlns:p14="http://schemas.microsoft.com/office/powerpoint/2010/main" val="86514610"/>
+                <p14:modId xmlns:p14="http://schemas.microsoft.com/office/powerpoint/2010/main" val="3035664074"/>
               </p:ext>
             </p:extLst>
           </p:nvPr>
@@ -10885,7 +10885,7 @@
                           </a:solidFill>
                           <a:latin typeface="Garamond" panose="02020404030301010803" pitchFamily="18" charset="0"/>
                         </a:rPr>
-                        <a:t>0.335 ≤ WPEI ≤ 0.546</a:t>
+                        <a:t>0.336 ≤ WPEI ≤ 0.546</a:t>
                       </a:r>
                     </a:p>
                   </a:txBody>
@@ -15148,16 +15148,23 @@
         </p:nvSpPr>
         <p:spPr>
           <a:xfrm>
-            <a:off x="11942024" y="5825067"/>
+            <a:off x="12313644" y="5748097"/>
             <a:ext cx="19126208" cy="9954154"/>
           </a:xfrm>
           <a:prstGeom prst="rect">
             <a:avLst/>
           </a:prstGeom>
-          <a:blipFill>
-            <a:blip r:embed="rId5"/>
+          <a:blipFill dpi="0" rotWithShape="1">
+            <a:blip r:embed="rId5">
+              <a:extLst>
+                <a:ext uri="{28A0092B-C50C-407E-A947-70E740481C1C}">
+                  <a14:useLocalDpi xmlns:a14="http://schemas.microsoft.com/office/drawing/2010/main" val="0"/>
+                </a:ext>
+              </a:extLst>
+            </a:blip>
+            <a:srcRect/>
             <a:stretch>
-              <a:fillRect l="1" r="-14742"/>
+              <a:fillRect/>
             </a:stretch>
           </a:blipFill>
           <a:ln w="12700" cap="flat" cmpd="sng">
@@ -15206,7 +15213,7 @@
         </p:nvSpPr>
         <p:spPr>
           <a:xfrm>
-            <a:off x="19446389" y="14411465"/>
+            <a:off x="19484489" y="14411465"/>
             <a:ext cx="11264050" cy="8309500"/>
           </a:xfrm>
           <a:prstGeom prst="rect">
@@ -15361,10 +15368,17 @@
           <a:prstGeom prst="rect">
             <a:avLst/>
           </a:prstGeom>
-          <a:blipFill>
-            <a:blip r:embed="rId8"/>
+          <a:blipFill dpi="0" rotWithShape="1">
+            <a:blip r:embed="rId8">
+              <a:extLst>
+                <a:ext uri="{28A0092B-C50C-407E-A947-70E740481C1C}">
+                  <a14:useLocalDpi xmlns:a14="http://schemas.microsoft.com/office/drawing/2010/main" val="0"/>
+                </a:ext>
+              </a:extLst>
+            </a:blip>
+            <a:srcRect/>
             <a:stretch>
-              <a:fillRect r="-15032"/>
+              <a:fillRect/>
             </a:stretch>
           </a:blipFill>
           <a:ln w="12700" cap="flat" cmpd="sng">
@@ -15539,64 +15553,6 @@
       </p:sp>
       <p:pic>
         <p:nvPicPr>
-          <p:cNvPr id="44" name="Picture 43" descr="A map of the world&#10;&#10;Description automatically generated">
-            <a:extLst>
-              <a:ext uri="{FF2B5EF4-FFF2-40B4-BE49-F238E27FC236}">
-                <a16:creationId xmlns:a16="http://schemas.microsoft.com/office/drawing/2014/main" id="{74772C4A-4044-ED27-80E3-97DC465055D9}"/>
-              </a:ext>
-            </a:extLst>
-          </p:cNvPr>
-          <p:cNvPicPr>
-            <a:picLocks noChangeAspect="1"/>
-          </p:cNvPicPr>
-          <p:nvPr/>
-        </p:nvPicPr>
-        <p:blipFill rotWithShape="1">
-          <a:blip r:embed="rId8"/>
-          <a:srcRect l="83994" t="34846" r="-3013" b="32204"/>
-          <a:stretch/>
-        </p:blipFill>
-        <p:spPr>
-          <a:xfrm>
-            <a:off x="13541556" y="10851478"/>
-            <a:ext cx="2760306" cy="3825763"/>
-          </a:xfrm>
-          <a:prstGeom prst="rect">
-            <a:avLst/>
-          </a:prstGeom>
-        </p:spPr>
-      </p:pic>
-      <p:pic>
-        <p:nvPicPr>
-          <p:cNvPr id="51" name="Picture 50" descr="A map of the world&#10;&#10;Description automatically generated">
-            <a:extLst>
-              <a:ext uri="{FF2B5EF4-FFF2-40B4-BE49-F238E27FC236}">
-                <a16:creationId xmlns:a16="http://schemas.microsoft.com/office/drawing/2014/main" id="{EB9215C8-7039-9B01-6DEF-978969816ABA}"/>
-              </a:ext>
-            </a:extLst>
-          </p:cNvPr>
-          <p:cNvPicPr>
-            <a:picLocks noChangeAspect="1"/>
-          </p:cNvPicPr>
-          <p:nvPr/>
-        </p:nvPicPr>
-        <p:blipFill rotWithShape="1">
-          <a:blip r:embed="rId8"/>
-          <a:srcRect l="83994" t="34846" r="-3013" b="32204"/>
-          <a:stretch/>
-        </p:blipFill>
-        <p:spPr>
-          <a:xfrm>
-            <a:off x="13700652" y="28181611"/>
-            <a:ext cx="2760306" cy="3825763"/>
-          </a:xfrm>
-          <a:prstGeom prst="rect">
-            <a:avLst/>
-          </a:prstGeom>
-        </p:spPr>
-      </p:pic>
-      <p:pic>
-        <p:nvPicPr>
           <p:cNvPr id="53" name="Picture 52" descr="A graph with different colored lines&#10;&#10;Description automatically generated">
             <a:extLst>
               <a:ext uri="{FF2B5EF4-FFF2-40B4-BE49-F238E27FC236}">
@@ -15653,6 +15609,80 @@
           </a:prstGeom>
         </p:spPr>
       </p:pic>
+      <p:sp>
+        <p:nvSpPr>
+          <p:cNvPr id="15" name="TextBox 14">
+            <a:extLst>
+              <a:ext uri="{FF2B5EF4-FFF2-40B4-BE49-F238E27FC236}">
+                <a16:creationId xmlns:a16="http://schemas.microsoft.com/office/drawing/2014/main" id="{023D352C-DDE8-8900-BC88-E3B606F2CFCA}"/>
+              </a:ext>
+            </a:extLst>
+          </p:cNvPr>
+          <p:cNvSpPr txBox="1"/>
+          <p:nvPr/>
+        </p:nvSpPr>
+        <p:spPr>
+          <a:xfrm rot="5400000">
+            <a:off x="24013577" y="16012031"/>
+            <a:ext cx="2377440" cy="400110"/>
+          </a:xfrm>
+          <a:prstGeom prst="rect">
+            <a:avLst/>
+          </a:prstGeom>
+          <a:noFill/>
+        </p:spPr>
+        <p:txBody>
+          <a:bodyPr wrap="square" rtlCol="0">
+            <a:spAutoFit/>
+          </a:bodyPr>
+          <a:lstStyle/>
+          <a:p>
+            <a:r>
+              <a:rPr lang="en-US" sz="2000" dirty="0">
+                <a:latin typeface="Garamond" panose="02020404030301010803" pitchFamily="18" charset="0"/>
+              </a:rPr>
+              <a:t>Decolonization</a:t>
+            </a:r>
+          </a:p>
+        </p:txBody>
+      </p:sp>
+      <p:sp>
+        <p:nvSpPr>
+          <p:cNvPr id="16" name="TextBox 15">
+            <a:extLst>
+              <a:ext uri="{FF2B5EF4-FFF2-40B4-BE49-F238E27FC236}">
+                <a16:creationId xmlns:a16="http://schemas.microsoft.com/office/drawing/2014/main" id="{02034846-359E-5A20-3BC4-34D791D544CA}"/>
+              </a:ext>
+            </a:extLst>
+          </p:cNvPr>
+          <p:cNvSpPr txBox="1"/>
+          <p:nvPr/>
+        </p:nvSpPr>
+        <p:spPr>
+          <a:xfrm rot="5400000">
+            <a:off x="26050622" y="15994008"/>
+            <a:ext cx="2377440" cy="400110"/>
+          </a:xfrm>
+          <a:prstGeom prst="rect">
+            <a:avLst/>
+          </a:prstGeom>
+          <a:noFill/>
+        </p:spPr>
+        <p:txBody>
+          <a:bodyPr wrap="square" rtlCol="0">
+            <a:spAutoFit/>
+          </a:bodyPr>
+          <a:lstStyle/>
+          <a:p>
+            <a:r>
+              <a:rPr lang="en-US" sz="2000" dirty="0">
+                <a:latin typeface="Garamond" panose="02020404030301010803" pitchFamily="18" charset="0"/>
+              </a:rPr>
+              <a:t>End of Cold War</a:t>
+            </a:r>
+          </a:p>
+        </p:txBody>
+      </p:sp>
     </p:spTree>
   </p:cSld>
   <p:clrMapOvr>
